--- a/Lecture01/Intro_to_WebDev.pptx
+++ b/Lecture01/Intro_to_WebDev.pptx
@@ -148,10 +148,6 @@
 </p:presentation>
 </file>
 
-<file path=ppt/revisionInfo.xml><?xml version="1.0" encoding="utf-8"?>
-<p1510:revInfo xmlns:a="http://schemas.openxmlformats.org/drawingml/2006/main" xmlns:r="http://schemas.openxmlformats.org/officeDocument/2006/relationships" xmlns:p1510="http://schemas.microsoft.com/office/powerpoint/2015/10/main"/>
-</file>
-
 <file path=ppt/notesMasters/notesMaster1.xml><?xml version="1.0" encoding="utf-8"?>
 <p:notesMaster xmlns:a="http://schemas.openxmlformats.org/drawingml/2006/main" xmlns:r="http://schemas.openxmlformats.org/officeDocument/2006/relationships" xmlns:p="http://schemas.openxmlformats.org/presentationml/2006/main">
   <p:cSld>
@@ -234,7 +230,7 @@
           <a:p>
             <a:fld id="{2EAF5705-9873-6D4B-926D-07892BB82932}" type="datetimeFigureOut">
               <a:rPr lang="en-US" smtClean="0"/>
-              <a:t>12/18/2017</a:t>
+              <a:t>2/4/18</a:t>
             </a:fld>
             <a:endParaRPr lang="en-US"/>
           </a:p>
@@ -1307,7 +1303,7 @@
           <a:p>
             <a:fld id="{D8ED8B36-C8AF-4C41-9D4B-3BD771DACC47}" type="datetime1">
               <a:rPr lang="en-IN" smtClean="0"/>
-              <a:t>18-12-2017</a:t>
+              <a:t>04/02/18</a:t>
             </a:fld>
             <a:endParaRPr lang="en-US" dirty="0"/>
           </a:p>
@@ -1563,7 +1559,7 @@
           <a:p>
             <a:fld id="{18D7B865-0848-5143-A9CD-6DBF02A4765A}" type="datetime1">
               <a:rPr lang="en-IN" smtClean="0"/>
-              <a:t>18-12-2017</a:t>
+              <a:t>04/02/18</a:t>
             </a:fld>
             <a:endParaRPr lang="en-US" dirty="0"/>
           </a:p>
@@ -1883,7 +1879,7 @@
           <a:p>
             <a:fld id="{18D7B865-0848-5143-A9CD-6DBF02A4765A}" type="datetime1">
               <a:rPr lang="en-IN" smtClean="0"/>
-              <a:t>18-12-2017</a:t>
+              <a:t>04/02/18</a:t>
             </a:fld>
             <a:endParaRPr lang="en-US" dirty="0"/>
           </a:p>
@@ -2230,7 +2226,7 @@
           <a:p>
             <a:fld id="{18D7B865-0848-5143-A9CD-6DBF02A4765A}" type="datetime1">
               <a:rPr lang="en-IN" smtClean="0"/>
-              <a:t>18-12-2017</a:t>
+              <a:t>04/02/18</a:t>
             </a:fld>
             <a:endParaRPr lang="en-US" dirty="0"/>
           </a:p>
@@ -2550,7 +2546,7 @@
           <a:p>
             <a:fld id="{18D7B865-0848-5143-A9CD-6DBF02A4765A}" type="datetime1">
               <a:rPr lang="en-IN" smtClean="0"/>
-              <a:t>18-12-2017</a:t>
+              <a:t>04/02/18</a:t>
             </a:fld>
             <a:endParaRPr lang="en-US" dirty="0"/>
           </a:p>
@@ -2949,7 +2945,7 @@
           <a:p>
             <a:fld id="{18D7B865-0848-5143-A9CD-6DBF02A4765A}" type="datetime1">
               <a:rPr lang="en-IN" smtClean="0"/>
-              <a:t>18-12-2017</a:t>
+              <a:t>04/02/18</a:t>
             </a:fld>
             <a:endParaRPr lang="en-US" dirty="0"/>
           </a:p>
@@ -3125,7 +3121,7 @@
           <a:p>
             <a:fld id="{BBCFA443-C600-4B4D-A7E3-798492F0D3AA}" type="datetime1">
               <a:rPr lang="en-IN" smtClean="0"/>
-              <a:t>18-12-2017</a:t>
+              <a:t>04/02/18</a:t>
             </a:fld>
             <a:endParaRPr lang="en-US" dirty="0"/>
           </a:p>
@@ -3310,7 +3306,7 @@
           <a:p>
             <a:fld id="{BA3BD37C-63A0-7B46-BDEC-6F695976C4EC}" type="datetime1">
               <a:rPr lang="en-IN" smtClean="0"/>
-              <a:t>18-12-2017</a:t>
+              <a:t>04/02/18</a:t>
             </a:fld>
             <a:endParaRPr lang="en-US" dirty="0"/>
           </a:p>
@@ -3491,7 +3487,7 @@
           <a:p>
             <a:fld id="{0C881FF4-904C-6640-B983-FFCE0F1AA070}" type="datetime1">
               <a:rPr lang="en-IN" smtClean="0"/>
-              <a:t>18-12-2017</a:t>
+              <a:t>04/02/18</a:t>
             </a:fld>
             <a:endParaRPr lang="en-US" dirty="0"/>
           </a:p>
@@ -3743,7 +3739,7 @@
           <a:p>
             <a:fld id="{918C8C07-F7D3-934C-82B1-E6492AD6D787}" type="datetime1">
               <a:rPr lang="en-IN" smtClean="0"/>
-              <a:t>18-12-2017</a:t>
+              <a:t>04/02/18</a:t>
             </a:fld>
             <a:endParaRPr lang="en-US" dirty="0"/>
           </a:p>
@@ -3980,7 +3976,7 @@
           <a:p>
             <a:fld id="{6DD8CBBE-2A83-7340-AF31-C966284F0BA4}" type="datetime1">
               <a:rPr lang="en-IN" smtClean="0"/>
-              <a:t>18-12-2017</a:t>
+              <a:t>04/02/18</a:t>
             </a:fld>
             <a:endParaRPr lang="en-US" dirty="0"/>
           </a:p>
@@ -4359,7 +4355,7 @@
           <a:p>
             <a:fld id="{1C2FDEFA-BDBD-2346-9124-495E23C560CD}" type="datetime1">
               <a:rPr lang="en-IN" smtClean="0"/>
-              <a:t>18-12-2017</a:t>
+              <a:t>04/02/18</a:t>
             </a:fld>
             <a:endParaRPr lang="en-US" dirty="0"/>
           </a:p>
@@ -4487,7 +4483,7 @@
           <a:p>
             <a:fld id="{C4769052-B485-CC47-A786-B8588A12AA9D}" type="datetime1">
               <a:rPr lang="en-IN" smtClean="0"/>
-              <a:t>18-12-2017</a:t>
+              <a:t>04/02/18</a:t>
             </a:fld>
             <a:endParaRPr lang="en-US" dirty="0"/>
           </a:p>
@@ -4587,7 +4583,7 @@
           <a:p>
             <a:fld id="{FFB07213-0DCE-8147-8D9C-8D92EAE39EAE}" type="datetime1">
               <a:rPr lang="en-IN" smtClean="0"/>
-              <a:t>18-12-2017</a:t>
+              <a:t>04/02/18</a:t>
             </a:fld>
             <a:endParaRPr lang="en-US" dirty="0"/>
           </a:p>
@@ -4847,7 +4843,7 @@
           <a:p>
             <a:fld id="{A9CB5399-BB7E-004B-BAFC-F9E112ED3353}" type="datetime1">
               <a:rPr lang="en-IN" smtClean="0"/>
-              <a:t>18-12-2017</a:t>
+              <a:t>04/02/18</a:t>
             </a:fld>
             <a:endParaRPr lang="en-US" dirty="0"/>
           </a:p>
@@ -5115,7 +5111,7 @@
           <a:p>
             <a:fld id="{B8D4F857-28E2-274F-9A4B-98B2133401E5}" type="datetime1">
               <a:rPr lang="en-IN" smtClean="0"/>
-              <a:t>18-12-2017</a:t>
+              <a:t>04/02/18</a:t>
             </a:fld>
             <a:endParaRPr lang="en-US" dirty="0"/>
           </a:p>
@@ -5859,7 +5855,7 @@
           <a:p>
             <a:fld id="{18D7B865-0848-5143-A9CD-6DBF02A4765A}" type="datetime1">
               <a:rPr lang="en-IN" smtClean="0"/>
-              <a:t>18-12-2017</a:t>
+              <a:t>04/02/18</a:t>
             </a:fld>
             <a:endParaRPr lang="en-US" dirty="0"/>
           </a:p>
@@ -6450,7 +6446,7 @@
           <a:p>
             <a:fld id="{23C809CF-217D-7143-B4D3-5EE2385E7828}" type="datetime1">
               <a:rPr lang="en-IN" smtClean="0"/>
-              <a:t>18-12-2017</a:t>
+              <a:t>04/02/18</a:t>
             </a:fld>
             <a:endParaRPr lang="en-US" dirty="0"/>
           </a:p>
@@ -6572,7 +6568,7 @@
           <a:p>
             <a:fld id="{0C881FF4-904C-6640-B983-FFCE0F1AA070}" type="datetime1">
               <a:rPr lang="en-IN" smtClean="0"/>
-              <a:t>18-12-2017</a:t>
+              <a:t>04/02/18</a:t>
             </a:fld>
             <a:endParaRPr lang="en-US" dirty="0"/>
           </a:p>
@@ -6771,7 +6767,7 @@
           <a:p>
             <a:fld id="{0C881FF4-904C-6640-B983-FFCE0F1AA070}" type="datetime1">
               <a:rPr lang="en-IN" smtClean="0"/>
-              <a:t>18-12-2017</a:t>
+              <a:t>04/02/18</a:t>
             </a:fld>
             <a:endParaRPr lang="en-US" dirty="0"/>
           </a:p>
@@ -6951,7 +6947,7 @@
           <a:p>
             <a:fld id="{0C881FF4-904C-6640-B983-FFCE0F1AA070}" type="datetime1">
               <a:rPr lang="en-IN" smtClean="0"/>
-              <a:t>18-12-2017</a:t>
+              <a:t>04/02/18</a:t>
             </a:fld>
             <a:endParaRPr lang="en-US" dirty="0"/>
           </a:p>
@@ -7107,7 +7103,7 @@
           <a:p>
             <a:fld id="{0C881FF4-904C-6640-B983-FFCE0F1AA070}" type="datetime1">
               <a:rPr lang="en-IN" smtClean="0"/>
-              <a:t>18-12-2017</a:t>
+              <a:t>04/02/18</a:t>
             </a:fld>
             <a:endParaRPr lang="en-US" dirty="0"/>
           </a:p>
@@ -7315,7 +7311,7 @@
           <a:p>
             <a:fld id="{0C881FF4-904C-6640-B983-FFCE0F1AA070}" type="datetime1">
               <a:rPr lang="en-IN" smtClean="0"/>
-              <a:t>18-12-2017</a:t>
+              <a:t>04/02/18</a:t>
             </a:fld>
             <a:endParaRPr lang="en-US" dirty="0"/>
           </a:p>
@@ -7503,7 +7499,7 @@
           <a:p>
             <a:fld id="{0C881FF4-904C-6640-B983-FFCE0F1AA070}" type="datetime1">
               <a:rPr lang="en-IN" smtClean="0"/>
-              <a:t>18-12-2017</a:t>
+              <a:t>04/02/18</a:t>
             </a:fld>
             <a:endParaRPr lang="en-US" dirty="0"/>
           </a:p>
@@ -7673,7 +7669,7 @@
           <a:p>
             <a:fld id="{0C881FF4-904C-6640-B983-FFCE0F1AA070}" type="datetime1">
               <a:rPr lang="en-IN" smtClean="0"/>
-              <a:t>18-12-2017</a:t>
+              <a:t>04/02/18</a:t>
             </a:fld>
             <a:endParaRPr lang="en-US" dirty="0"/>
           </a:p>
@@ -7835,7 +7831,7 @@
           <a:p>
             <a:fld id="{0C881FF4-904C-6640-B983-FFCE0F1AA070}" type="datetime1">
               <a:rPr lang="en-IN" smtClean="0"/>
-              <a:t>18-12-2017</a:t>
+              <a:t>04/02/18</a:t>
             </a:fld>
             <a:endParaRPr lang="en-US" dirty="0"/>
           </a:p>
@@ -7997,7 +7993,7 @@
           <a:p>
             <a:fld id="{0C881FF4-904C-6640-B983-FFCE0F1AA070}" type="datetime1">
               <a:rPr lang="en-IN" smtClean="0"/>
-              <a:t>18-12-2017</a:t>
+              <a:t>04/02/18</a:t>
             </a:fld>
             <a:endParaRPr lang="en-US" dirty="0"/>
           </a:p>
@@ -8147,7 +8143,7 @@
           <a:p>
             <a:fld id="{0C881FF4-904C-6640-B983-FFCE0F1AA070}" type="datetime1">
               <a:rPr lang="en-IN" smtClean="0"/>
-              <a:t>18-12-2017</a:t>
+              <a:t>04/02/18</a:t>
             </a:fld>
             <a:endParaRPr lang="en-US" dirty="0"/>
           </a:p>
@@ -8291,7 +8287,7 @@
           <a:p>
             <a:fld id="{918C8C07-F7D3-934C-82B1-E6492AD6D787}" type="datetime1">
               <a:rPr lang="en-IN" smtClean="0"/>
-              <a:t>18-12-2017</a:t>
+              <a:t>04/02/18</a:t>
             </a:fld>
             <a:endParaRPr lang="en-US" dirty="0"/>
           </a:p>
@@ -8454,7 +8450,7 @@
           <a:p>
             <a:fld id="{0C881FF4-904C-6640-B983-FFCE0F1AA070}" type="datetime1">
               <a:rPr lang="en-IN" smtClean="0"/>
-              <a:t>18-12-2017</a:t>
+              <a:t>04/02/18</a:t>
             </a:fld>
             <a:endParaRPr lang="en-US" dirty="0"/>
           </a:p>
@@ -8576,7 +8572,7 @@
           <a:p>
             <a:fld id="{0C881FF4-904C-6640-B983-FFCE0F1AA070}" type="datetime1">
               <a:rPr lang="en-IN" smtClean="0"/>
-              <a:t>18-12-2017</a:t>
+              <a:t>04/02/18</a:t>
             </a:fld>
             <a:endParaRPr lang="en-US" dirty="0"/>
           </a:p>
@@ -8801,7 +8797,7 @@
           <a:p>
             <a:fld id="{0C881FF4-904C-6640-B983-FFCE0F1AA070}" type="datetime1">
               <a:rPr lang="en-IN" smtClean="0"/>
-              <a:t>18-12-2017</a:t>
+              <a:t>04/02/18</a:t>
             </a:fld>
             <a:endParaRPr lang="en-US" dirty="0"/>
           </a:p>
@@ -8942,7 +8938,7 @@
           <a:p>
             <a:fld id="{18D7B865-0848-5143-A9CD-6DBF02A4765A}" type="datetime1">
               <a:rPr lang="en-IN" smtClean="0"/>
-              <a:t>18-12-2017</a:t>
+              <a:t>04/02/18</a:t>
             </a:fld>
             <a:endParaRPr lang="en-US" dirty="0"/>
           </a:p>
@@ -9110,7 +9106,7 @@
           <a:p>
             <a:fld id="{0C881FF4-904C-6640-B983-FFCE0F1AA070}" type="datetime1">
               <a:rPr lang="en-IN" smtClean="0"/>
-              <a:t>18-12-2017</a:t>
+              <a:t>04/02/18</a:t>
             </a:fld>
             <a:endParaRPr lang="en-US" dirty="0"/>
           </a:p>
@@ -9303,7 +9299,7 @@
           <a:p>
             <a:fld id="{0C881FF4-904C-6640-B983-FFCE0F1AA070}" type="datetime1">
               <a:rPr lang="en-IN" smtClean="0"/>
-              <a:t>18-12-2017</a:t>
+              <a:t>04/02/18</a:t>
             </a:fld>
             <a:endParaRPr lang="en-US" dirty="0"/>
           </a:p>
@@ -9498,7 +9494,7 @@
           <a:p>
             <a:fld id="{0C881FF4-904C-6640-B983-FFCE0F1AA070}" type="datetime1">
               <a:rPr lang="en-IN" smtClean="0"/>
-              <a:t>18-12-2017</a:t>
+              <a:t>04/02/18</a:t>
             </a:fld>
             <a:endParaRPr lang="en-US" dirty="0"/>
           </a:p>
@@ -9712,7 +9708,7 @@
           <a:p>
             <a:fld id="{0C881FF4-904C-6640-B983-FFCE0F1AA070}" type="datetime1">
               <a:rPr lang="en-IN" smtClean="0"/>
-              <a:t>18-12-2017</a:t>
+              <a:t>04/02/18</a:t>
             </a:fld>
             <a:endParaRPr lang="en-US" dirty="0"/>
           </a:p>
@@ -9921,7 +9917,7 @@
           <a:p>
             <a:fld id="{0C881FF4-904C-6640-B983-FFCE0F1AA070}" type="datetime1">
               <a:rPr lang="en-IN" smtClean="0"/>
-              <a:t>18-12-2017</a:t>
+              <a:t>04/02/18</a:t>
             </a:fld>
             <a:endParaRPr lang="en-US" dirty="0"/>
           </a:p>
@@ -10092,7 +10088,7 @@
           <a:p>
             <a:fld id="{0C881FF4-904C-6640-B983-FFCE0F1AA070}" type="datetime1">
               <a:rPr lang="en-IN" smtClean="0"/>
-              <a:t>18-12-2017</a:t>
+              <a:t>04/02/18</a:t>
             </a:fld>
             <a:endParaRPr lang="en-US" dirty="0"/>
           </a:p>
@@ -10254,7 +10250,7 @@
           <a:p>
             <a:fld id="{0C881FF4-904C-6640-B983-FFCE0F1AA070}" type="datetime1">
               <a:rPr lang="en-IN" smtClean="0"/>
-              <a:t>18-12-2017</a:t>
+              <a:t>04/02/18</a:t>
             </a:fld>
             <a:endParaRPr lang="en-US" dirty="0"/>
           </a:p>
@@ -10431,7 +10427,7 @@
           <a:p>
             <a:fld id="{0C881FF4-904C-6640-B983-FFCE0F1AA070}" type="datetime1">
               <a:rPr lang="en-IN" smtClean="0"/>
-              <a:t>18-12-2017</a:t>
+              <a:t>04/02/18</a:t>
             </a:fld>
             <a:endParaRPr lang="en-US" dirty="0"/>
           </a:p>
@@ -10605,7 +10601,7 @@
           <a:p>
             <a:fld id="{0C881FF4-904C-6640-B983-FFCE0F1AA070}" type="datetime1">
               <a:rPr lang="en-IN" smtClean="0"/>
-              <a:t>18-12-2017</a:t>
+              <a:t>04/02/18</a:t>
             </a:fld>
             <a:endParaRPr lang="en-US" dirty="0"/>
           </a:p>
@@ -10755,7 +10751,7 @@
           <a:p>
             <a:fld id="{0C881FF4-904C-6640-B983-FFCE0F1AA070}" type="datetime1">
               <a:rPr lang="en-IN" smtClean="0"/>
-              <a:t>18-12-2017</a:t>
+              <a:t>04/02/18</a:t>
             </a:fld>
             <a:endParaRPr lang="en-US" dirty="0"/>
           </a:p>
@@ -10917,7 +10913,7 @@
           <a:p>
             <a:fld id="{0C881FF4-904C-6640-B983-FFCE0F1AA070}" type="datetime1">
               <a:rPr lang="en-IN" smtClean="0"/>
-              <a:t>18-12-2017</a:t>
+              <a:t>04/02/18</a:t>
             </a:fld>
             <a:endParaRPr lang="en-US" dirty="0"/>
           </a:p>
@@ -11091,7 +11087,7 @@
           <a:p>
             <a:fld id="{0C881FF4-904C-6640-B983-FFCE0F1AA070}" type="datetime1">
               <a:rPr lang="en-IN" smtClean="0"/>
-              <a:t>18-12-2017</a:t>
+              <a:t>04/02/18</a:t>
             </a:fld>
             <a:endParaRPr lang="en-US" dirty="0"/>
           </a:p>
@@ -11270,7 +11266,7 @@
           <a:p>
             <a:fld id="{0C881FF4-904C-6640-B983-FFCE0F1AA070}" type="datetime1">
               <a:rPr lang="en-IN" smtClean="0"/>
-              <a:t>18-12-2017</a:t>
+              <a:t>04/02/18</a:t>
             </a:fld>
             <a:endParaRPr lang="en-US" dirty="0"/>
           </a:p>
@@ -11438,7 +11434,7 @@
           <a:p>
             <a:fld id="{0C881FF4-904C-6640-B983-FFCE0F1AA070}" type="datetime1">
               <a:rPr lang="en-IN" smtClean="0"/>
-              <a:t>18-12-2017</a:t>
+              <a:t>04/02/18</a:t>
             </a:fld>
             <a:endParaRPr lang="en-US" dirty="0"/>
           </a:p>
@@ -11560,7 +11556,7 @@
           <a:p>
             <a:fld id="{0C881FF4-904C-6640-B983-FFCE0F1AA070}" type="datetime1">
               <a:rPr lang="en-IN" smtClean="0"/>
-              <a:t>18-12-2017</a:t>
+              <a:t>04/02/18</a:t>
             </a:fld>
             <a:endParaRPr lang="en-US" dirty="0"/>
           </a:p>
@@ -11788,7 +11784,7 @@
           <a:p>
             <a:fld id="{0C881FF4-904C-6640-B983-FFCE0F1AA070}" type="datetime1">
               <a:rPr lang="en-IN" smtClean="0"/>
-              <a:t>18-12-2017</a:t>
+              <a:t>04/02/18</a:t>
             </a:fld>
             <a:endParaRPr lang="en-US" dirty="0"/>
           </a:p>
@@ -11946,7 +11942,7 @@
           <a:p>
             <a:fld id="{0C881FF4-904C-6640-B983-FFCE0F1AA070}" type="datetime1">
               <a:rPr lang="en-IN" smtClean="0"/>
-              <a:t>18-12-2017</a:t>
+              <a:t>04/02/18</a:t>
             </a:fld>
             <a:endParaRPr lang="en-US" dirty="0"/>
           </a:p>
@@ -12068,7 +12064,7 @@
           <a:p>
             <a:fld id="{0C881FF4-904C-6640-B983-FFCE0F1AA070}" type="datetime1">
               <a:rPr lang="en-IN" smtClean="0"/>
-              <a:t>18-12-2017</a:t>
+              <a:t>04/02/18</a:t>
             </a:fld>
             <a:endParaRPr lang="en-US" dirty="0"/>
           </a:p>
